--- a/lectureNotes/kuvat/powerPointRawFigures.pptx
+++ b/lectureNotes/kuvat/powerPointRawFigures.pptx
@@ -6,6 +6,7 @@
   </p:sldMasterIdLst>
   <p:sldIdLst>
     <p:sldId id="256" r:id="rId2"/>
+    <p:sldId id="257" r:id="rId3"/>
   </p:sldIdLst>
   <p:sldSz cx="3959225" cy="2339975"/>
   <p:notesSz cx="6858000" cy="9144000"/>
@@ -2998,7 +2999,7 @@
             <a:prstGeom prst="rect">
               <a:avLst/>
             </a:prstGeom>
-            <a:ln w="12700">
+            <a:ln w="9525">
               <a:solidFill>
                 <a:schemeClr val="tx1"/>
               </a:solidFill>
@@ -3046,7 +3047,7 @@
             <a:prstGeom prst="rect">
               <a:avLst/>
             </a:prstGeom>
-            <a:ln w="12700">
+            <a:ln w="9525">
               <a:solidFill>
                 <a:schemeClr val="tx1"/>
               </a:solidFill>
@@ -3094,7 +3095,7 @@
             <a:prstGeom prst="rect">
               <a:avLst/>
             </a:prstGeom>
-            <a:ln w="12700">
+            <a:ln w="9525">
               <a:solidFill>
                 <a:schemeClr val="tx1"/>
               </a:solidFill>
@@ -3142,7 +3143,7 @@
             <a:prstGeom prst="rect">
               <a:avLst/>
             </a:prstGeom>
-            <a:ln w="12700">
+            <a:ln w="9525">
               <a:solidFill>
                 <a:schemeClr val="tx1"/>
               </a:solidFill>
@@ -3190,7 +3191,7 @@
             <a:prstGeom prst="rect">
               <a:avLst/>
             </a:prstGeom>
-            <a:ln w="12700">
+            <a:ln w="9525">
               <a:solidFill>
                 <a:schemeClr val="tx1"/>
               </a:solidFill>
@@ -4062,6 +4063,293 @@
 </p:sld>
 </file>
 
+<file path=ppt/slides/slide2.xml><?xml version="1.0" encoding="utf-8"?>
+<p:sld xmlns:a="http://schemas.openxmlformats.org/drawingml/2006/main" xmlns:r="http://schemas.openxmlformats.org/officeDocument/2006/relationships" xmlns:p="http://schemas.openxmlformats.org/presentationml/2006/main">
+  <p:cSld>
+    <p:spTree>
+      <p:nvGrpSpPr>
+        <p:cNvPr id="1" name=""/>
+        <p:cNvGrpSpPr/>
+        <p:nvPr/>
+      </p:nvGrpSpPr>
+      <p:grpSpPr>
+        <a:xfrm>
+          <a:off x="0" y="0"/>
+          <a:ext cx="0" cy="0"/>
+          <a:chOff x="0" y="0"/>
+          <a:chExt cx="0" cy="0"/>
+        </a:xfrm>
+      </p:grpSpPr>
+      <p:grpSp>
+        <p:nvGrpSpPr>
+          <p:cNvPr id="4" name="Group 3"/>
+          <p:cNvGrpSpPr>
+            <a:grpSpLocks noChangeAspect="1"/>
+          </p:cNvGrpSpPr>
+          <p:nvPr/>
+        </p:nvGrpSpPr>
+        <p:grpSpPr>
+          <a:xfrm>
+            <a:off x="1264596" y="471120"/>
+            <a:ext cx="1407085" cy="1322659"/>
+            <a:chOff x="3220872" y="1624083"/>
+            <a:chExt cx="4094328" cy="3848670"/>
+          </a:xfrm>
+        </p:grpSpPr>
+        <p:sp>
+          <p:nvSpPr>
+            <p:cNvPr id="5" name="Rectangle 4"/>
+            <p:cNvSpPr/>
+            <p:nvPr/>
+          </p:nvSpPr>
+          <p:spPr>
+            <a:xfrm>
+              <a:off x="4585648" y="2906973"/>
+              <a:ext cx="1364776" cy="1282890"/>
+            </a:xfrm>
+            <a:prstGeom prst="rect">
+              <a:avLst/>
+            </a:prstGeom>
+            <a:ln w="9525">
+              <a:solidFill>
+                <a:schemeClr val="tx1"/>
+              </a:solidFill>
+            </a:ln>
+          </p:spPr>
+          <p:style>
+            <a:lnRef idx="2">
+              <a:schemeClr val="accent6"/>
+            </a:lnRef>
+            <a:fillRef idx="1">
+              <a:schemeClr val="lt1"/>
+            </a:fillRef>
+            <a:effectRef idx="0">
+              <a:schemeClr val="accent6"/>
+            </a:effectRef>
+            <a:fontRef idx="minor">
+              <a:schemeClr val="dk1"/>
+            </a:fontRef>
+          </p:style>
+          <p:txBody>
+            <a:bodyPr rot="0" spcFirstLastPara="0" vertOverflow="overflow" horzOverflow="overflow" vert="horz" wrap="square" lIns="9577" tIns="4789" rIns="9577" bIns="4789" numCol="1" spcCol="0" rtlCol="0" fromWordArt="0" anchor="ctr" anchorCtr="0" forceAA="0" compatLnSpc="1">
+              <a:prstTxWarp prst="textNoShape">
+                <a:avLst/>
+              </a:prstTxWarp>
+              <a:noAutofit/>
+            </a:bodyPr>
+            <a:lstStyle/>
+            <a:p>
+              <a:pPr algn="ctr"/>
+              <a:endParaRPr lang="en-GB" sz="188"/>
+            </a:p>
+          </p:txBody>
+        </p:sp>
+        <p:sp>
+          <p:nvSpPr>
+            <p:cNvPr id="6" name="Rectangle 5"/>
+            <p:cNvSpPr/>
+            <p:nvPr/>
+          </p:nvSpPr>
+          <p:spPr>
+            <a:xfrm>
+              <a:off x="5950424" y="2906973"/>
+              <a:ext cx="1364776" cy="1282890"/>
+            </a:xfrm>
+            <a:prstGeom prst="rect">
+              <a:avLst/>
+            </a:prstGeom>
+            <a:ln w="9525">
+              <a:solidFill>
+                <a:schemeClr val="tx1"/>
+              </a:solidFill>
+            </a:ln>
+          </p:spPr>
+          <p:style>
+            <a:lnRef idx="2">
+              <a:schemeClr val="accent6"/>
+            </a:lnRef>
+            <a:fillRef idx="1">
+              <a:schemeClr val="lt1"/>
+            </a:fillRef>
+            <a:effectRef idx="0">
+              <a:schemeClr val="accent6"/>
+            </a:effectRef>
+            <a:fontRef idx="minor">
+              <a:schemeClr val="dk1"/>
+            </a:fontRef>
+          </p:style>
+          <p:txBody>
+            <a:bodyPr rot="0" spcFirstLastPara="0" vertOverflow="overflow" horzOverflow="overflow" vert="horz" wrap="square" lIns="9577" tIns="4789" rIns="9577" bIns="4789" numCol="1" spcCol="0" rtlCol="0" fromWordArt="0" anchor="ctr" anchorCtr="0" forceAA="0" compatLnSpc="1">
+              <a:prstTxWarp prst="textNoShape">
+                <a:avLst/>
+              </a:prstTxWarp>
+              <a:noAutofit/>
+            </a:bodyPr>
+            <a:lstStyle/>
+            <a:p>
+              <a:pPr algn="ctr"/>
+              <a:endParaRPr lang="en-GB" sz="188"/>
+            </a:p>
+          </p:txBody>
+        </p:sp>
+        <p:sp>
+          <p:nvSpPr>
+            <p:cNvPr id="7" name="Rectangle 6"/>
+            <p:cNvSpPr/>
+            <p:nvPr/>
+          </p:nvSpPr>
+          <p:spPr>
+            <a:xfrm>
+              <a:off x="4585648" y="1624083"/>
+              <a:ext cx="1364776" cy="1282890"/>
+            </a:xfrm>
+            <a:prstGeom prst="rect">
+              <a:avLst/>
+            </a:prstGeom>
+            <a:ln w="9525">
+              <a:solidFill>
+                <a:schemeClr val="tx1"/>
+              </a:solidFill>
+            </a:ln>
+          </p:spPr>
+          <p:style>
+            <a:lnRef idx="2">
+              <a:schemeClr val="accent6"/>
+            </a:lnRef>
+            <a:fillRef idx="1">
+              <a:schemeClr val="lt1"/>
+            </a:fillRef>
+            <a:effectRef idx="0">
+              <a:schemeClr val="accent6"/>
+            </a:effectRef>
+            <a:fontRef idx="minor">
+              <a:schemeClr val="dk1"/>
+            </a:fontRef>
+          </p:style>
+          <p:txBody>
+            <a:bodyPr rot="0" spcFirstLastPara="0" vertOverflow="overflow" horzOverflow="overflow" vert="horz" wrap="square" lIns="9577" tIns="4789" rIns="9577" bIns="4789" numCol="1" spcCol="0" rtlCol="0" fromWordArt="0" anchor="ctr" anchorCtr="0" forceAA="0" compatLnSpc="1">
+              <a:prstTxWarp prst="textNoShape">
+                <a:avLst/>
+              </a:prstTxWarp>
+              <a:noAutofit/>
+            </a:bodyPr>
+            <a:lstStyle/>
+            <a:p>
+              <a:pPr algn="ctr"/>
+              <a:endParaRPr lang="en-GB" sz="188"/>
+            </a:p>
+          </p:txBody>
+        </p:sp>
+        <p:sp>
+          <p:nvSpPr>
+            <p:cNvPr id="8" name="Rectangle 7"/>
+            <p:cNvSpPr/>
+            <p:nvPr/>
+          </p:nvSpPr>
+          <p:spPr>
+            <a:xfrm>
+              <a:off x="3220872" y="2906972"/>
+              <a:ext cx="1364775" cy="1282889"/>
+            </a:xfrm>
+            <a:prstGeom prst="rect">
+              <a:avLst/>
+            </a:prstGeom>
+            <a:ln w="9525">
+              <a:solidFill>
+                <a:schemeClr val="tx1"/>
+              </a:solidFill>
+            </a:ln>
+          </p:spPr>
+          <p:style>
+            <a:lnRef idx="2">
+              <a:schemeClr val="accent6"/>
+            </a:lnRef>
+            <a:fillRef idx="1">
+              <a:schemeClr val="lt1"/>
+            </a:fillRef>
+            <a:effectRef idx="0">
+              <a:schemeClr val="accent6"/>
+            </a:effectRef>
+            <a:fontRef idx="minor">
+              <a:schemeClr val="dk1"/>
+            </a:fontRef>
+          </p:style>
+          <p:txBody>
+            <a:bodyPr rot="0" spcFirstLastPara="0" vertOverflow="overflow" horzOverflow="overflow" vert="horz" wrap="square" lIns="9577" tIns="4789" rIns="9577" bIns="4789" numCol="1" spcCol="0" rtlCol="0" fromWordArt="0" anchor="ctr" anchorCtr="0" forceAA="0" compatLnSpc="1">
+              <a:prstTxWarp prst="textNoShape">
+                <a:avLst/>
+              </a:prstTxWarp>
+              <a:noAutofit/>
+            </a:bodyPr>
+            <a:lstStyle/>
+            <a:p>
+              <a:pPr algn="ctr"/>
+              <a:endParaRPr lang="en-GB" sz="1000" dirty="0"/>
+            </a:p>
+          </p:txBody>
+        </p:sp>
+        <p:sp>
+          <p:nvSpPr>
+            <p:cNvPr id="9" name="Rectangle 8"/>
+            <p:cNvSpPr/>
+            <p:nvPr/>
+          </p:nvSpPr>
+          <p:spPr>
+            <a:xfrm>
+              <a:off x="4585648" y="4189863"/>
+              <a:ext cx="1364776" cy="1282890"/>
+            </a:xfrm>
+            <a:prstGeom prst="rect">
+              <a:avLst/>
+            </a:prstGeom>
+            <a:ln w="9525">
+              <a:solidFill>
+                <a:schemeClr val="tx1"/>
+              </a:solidFill>
+            </a:ln>
+          </p:spPr>
+          <p:style>
+            <a:lnRef idx="2">
+              <a:schemeClr val="accent6"/>
+            </a:lnRef>
+            <a:fillRef idx="1">
+              <a:schemeClr val="lt1"/>
+            </a:fillRef>
+            <a:effectRef idx="0">
+              <a:schemeClr val="accent6"/>
+            </a:effectRef>
+            <a:fontRef idx="minor">
+              <a:schemeClr val="dk1"/>
+            </a:fontRef>
+          </p:style>
+          <p:txBody>
+            <a:bodyPr rot="0" spcFirstLastPara="0" vertOverflow="overflow" horzOverflow="overflow" vert="horz" wrap="square" lIns="9577" tIns="4789" rIns="9577" bIns="4789" numCol="1" spcCol="0" rtlCol="0" fromWordArt="0" anchor="ctr" anchorCtr="0" forceAA="0" compatLnSpc="1">
+              <a:prstTxWarp prst="textNoShape">
+                <a:avLst/>
+              </a:prstTxWarp>
+              <a:noAutofit/>
+            </a:bodyPr>
+            <a:lstStyle/>
+            <a:p>
+              <a:pPr algn="ctr"/>
+              <a:endParaRPr lang="en-GB" sz="188"/>
+            </a:p>
+          </p:txBody>
+        </p:sp>
+      </p:grpSp>
+    </p:spTree>
+    <p:extLst>
+      <p:ext uri="{BB962C8B-B14F-4D97-AF65-F5344CB8AC3E}">
+        <p14:creationId xmlns:p14="http://schemas.microsoft.com/office/powerpoint/2010/main" val="1170260571"/>
+      </p:ext>
+    </p:extLst>
+  </p:cSld>
+  <p:clrMapOvr>
+    <a:masterClrMapping/>
+  </p:clrMapOvr>
+</p:sld>
+</file>
+
 <file path=ppt/theme/theme1.xml><?xml version="1.0" encoding="utf-8"?>
 <a:theme xmlns:a="http://schemas.openxmlformats.org/drawingml/2006/main" name="Office Theme">
   <a:themeElements>
